--- a/lectures/12/2_Analysis and Interpretation Multiple Variables Simultaneously.pptx
+++ b/lectures/12/2_Analysis and Interpretation Multiple Variables Simultaneously.pptx
@@ -5,10 +5,10 @@
     <p:sldMasterId id="2147483648" r:id="rId4"/>
   </p:sldMasterIdLst>
   <p:notesMasterIdLst>
-    <p:notesMasterId r:id="rId34"/>
+    <p:notesMasterId r:id="rId35"/>
   </p:notesMasterIdLst>
   <p:handoutMasterIdLst>
-    <p:handoutMasterId r:id="rId35"/>
+    <p:handoutMasterId r:id="rId36"/>
   </p:handoutMasterIdLst>
   <p:sldIdLst>
     <p:sldId id="256" r:id="rId5"/>
@@ -40,6 +40,7 @@
     <p:sldId id="290" r:id="rId31"/>
     <p:sldId id="291" r:id="rId32"/>
     <p:sldId id="292" r:id="rId33"/>
+    <p:sldId id="293" r:id="rId34"/>
   </p:sldIdLst>
   <p:sldSz cx="12192000" cy="6858000"/>
   <p:notesSz cx="6858000" cy="9144000"/>
@@ -3268,7 +3269,7 @@
           <a:p>
             <a:fld id="{73B2889B-A0AC-4482-8592-5C96F2309420}" type="datetimeFigureOut">
               <a:rPr lang="en-US" smtClean="0"/>
-              <a:t>10/23/2021</a:t>
+              <a:t>10/27/2021</a:t>
             </a:fld>
             <a:endParaRPr lang="en-US"/>
           </a:p>
@@ -3445,7 +3446,7 @@
           <a:p>
             <a:fld id="{830EB223-FFC0-462A-A3B8-EAA7CE0F8CBD}" type="datetimeFigureOut">
               <a:rPr lang="en-US" smtClean="0"/>
-              <a:t>10/23/2021</a:t>
+              <a:t>10/27/2021</a:t>
             </a:fld>
             <a:endParaRPr lang="en-US" dirty="0"/>
           </a:p>
@@ -4085,6 +4086,97 @@
 </p:notes>
 </file>
 
+<file path=ppt/notesSlides/notesSlide5.xml><?xml version="1.0" encoding="utf-8"?>
+<p:notes xmlns:a="http://schemas.openxmlformats.org/drawingml/2006/main" xmlns:r="http://schemas.openxmlformats.org/officeDocument/2006/relationships" xmlns:p="http://schemas.openxmlformats.org/presentationml/2006/main">
+  <p:cSld>
+    <p:spTree>
+      <p:nvGrpSpPr>
+        <p:cNvPr id="1" name=""/>
+        <p:cNvGrpSpPr/>
+        <p:nvPr/>
+      </p:nvGrpSpPr>
+      <p:grpSpPr>
+        <a:xfrm>
+          <a:off x="0" y="0"/>
+          <a:ext cx="0" cy="0"/>
+          <a:chOff x="0" y="0"/>
+          <a:chExt cx="0" cy="0"/>
+        </a:xfrm>
+      </p:grpSpPr>
+      <p:sp>
+        <p:nvSpPr>
+          <p:cNvPr id="2" name="Slide Image Placeholder 1"/>
+          <p:cNvSpPr>
+            <a:spLocks noGrp="1" noRot="1" noChangeAspect="1"/>
+          </p:cNvSpPr>
+          <p:nvPr>
+            <p:ph type="sldImg"/>
+          </p:nvPr>
+        </p:nvSpPr>
+        <p:spPr/>
+      </p:sp>
+      <p:sp>
+        <p:nvSpPr>
+          <p:cNvPr id="3" name="Notes Placeholder 2"/>
+          <p:cNvSpPr>
+            <a:spLocks noGrp="1"/>
+          </p:cNvSpPr>
+          <p:nvPr>
+            <p:ph type="body" idx="1"/>
+          </p:nvPr>
+        </p:nvSpPr>
+        <p:spPr/>
+        <p:txBody>
+          <a:bodyPr/>
+          <a:lstStyle/>
+          <a:p>
+            <a:r>
+              <a:rPr lang="en-US" dirty="0"/>
+              <a:t>Talk about the expected format of </a:t>
+            </a:r>
+            <a:r>
+              <a:rPr lang="en-US"/>
+              <a:t>the report</a:t>
+            </a:r>
+          </a:p>
+        </p:txBody>
+      </p:sp>
+      <p:sp>
+        <p:nvSpPr>
+          <p:cNvPr id="4" name="Slide Number Placeholder 3"/>
+          <p:cNvSpPr>
+            <a:spLocks noGrp="1"/>
+          </p:cNvSpPr>
+          <p:nvPr>
+            <p:ph type="sldNum" sz="quarter" idx="5"/>
+          </p:nvPr>
+        </p:nvSpPr>
+        <p:spPr/>
+        <p:txBody>
+          <a:bodyPr/>
+          <a:lstStyle/>
+          <a:p>
+            <a:fld id="{BC849E9A-41F7-4779-A581-48A7C374A227}" type="slidenum">
+              <a:rPr lang="en-US" smtClean="0"/>
+              <a:t>30</a:t>
+            </a:fld>
+            <a:endParaRPr lang="en-US" dirty="0"/>
+          </a:p>
+        </p:txBody>
+      </p:sp>
+    </p:spTree>
+    <p:extLst>
+      <p:ext uri="{BB962C8B-B14F-4D97-AF65-F5344CB8AC3E}">
+        <p14:creationId xmlns:p14="http://schemas.microsoft.com/office/powerpoint/2010/main" val="2697819254"/>
+      </p:ext>
+    </p:extLst>
+  </p:cSld>
+  <p:clrMapOvr>
+    <a:masterClrMapping/>
+  </p:clrMapOvr>
+</p:notes>
+</file>
+
 <file path=ppt/slideLayouts/slideLayout1.xml><?xml version="1.0" encoding="utf-8"?>
 <p:sldLayout xmlns:a="http://schemas.openxmlformats.org/drawingml/2006/main" xmlns:r="http://schemas.openxmlformats.org/officeDocument/2006/relationships" xmlns:p="http://schemas.openxmlformats.org/presentationml/2006/main" type="title" preserve="1">
   <p:cSld name="Title Slide">
@@ -4232,7 +4324,7 @@
           <a:p>
             <a:fld id="{DECF21A4-E71B-4D3A-AF45-E989C23A7BB1}" type="datetimeFigureOut">
               <a:rPr lang="en-US" smtClean="0"/>
-              <a:t>10/23/2021</a:t>
+              <a:t>10/27/2021</a:t>
             </a:fld>
             <a:endParaRPr lang="en-US" dirty="0"/>
           </a:p>
@@ -4430,7 +4522,7 @@
           <a:p>
             <a:fld id="{DECF21A4-E71B-4D3A-AF45-E989C23A7BB1}" type="datetimeFigureOut">
               <a:rPr lang="en-US" smtClean="0"/>
-              <a:t>10/23/2021</a:t>
+              <a:t>10/27/2021</a:t>
             </a:fld>
             <a:endParaRPr lang="en-US" dirty="0"/>
           </a:p>
@@ -4638,7 +4730,7 @@
           <a:p>
             <a:fld id="{DECF21A4-E71B-4D3A-AF45-E989C23A7BB1}" type="datetimeFigureOut">
               <a:rPr lang="en-US" smtClean="0"/>
-              <a:t>10/23/2021</a:t>
+              <a:t>10/27/2021</a:t>
             </a:fld>
             <a:endParaRPr lang="en-US" dirty="0"/>
           </a:p>
@@ -4836,7 +4928,7 @@
           <a:p>
             <a:fld id="{DECF21A4-E71B-4D3A-AF45-E989C23A7BB1}" type="datetimeFigureOut">
               <a:rPr lang="en-US" smtClean="0"/>
-              <a:t>10/23/2021</a:t>
+              <a:t>10/27/2021</a:t>
             </a:fld>
             <a:endParaRPr lang="en-US" dirty="0"/>
           </a:p>
@@ -5111,7 +5203,7 @@
           <a:p>
             <a:fld id="{DECF21A4-E71B-4D3A-AF45-E989C23A7BB1}" type="datetimeFigureOut">
               <a:rPr lang="en-US" smtClean="0"/>
-              <a:t>10/23/2021</a:t>
+              <a:t>10/27/2021</a:t>
             </a:fld>
             <a:endParaRPr lang="en-US" dirty="0"/>
           </a:p>
@@ -5376,7 +5468,7 @@
           <a:p>
             <a:fld id="{DECF21A4-E71B-4D3A-AF45-E989C23A7BB1}" type="datetimeFigureOut">
               <a:rPr lang="en-US" smtClean="0"/>
-              <a:t>10/23/2021</a:t>
+              <a:t>10/27/2021</a:t>
             </a:fld>
             <a:endParaRPr lang="en-US" dirty="0"/>
           </a:p>
@@ -5788,7 +5880,7 @@
           <a:p>
             <a:fld id="{DECF21A4-E71B-4D3A-AF45-E989C23A7BB1}" type="datetimeFigureOut">
               <a:rPr lang="en-US" smtClean="0"/>
-              <a:t>10/23/2021</a:t>
+              <a:t>10/27/2021</a:t>
             </a:fld>
             <a:endParaRPr lang="en-US" dirty="0"/>
           </a:p>
@@ -5929,7 +6021,7 @@
           <a:p>
             <a:fld id="{DECF21A4-E71B-4D3A-AF45-E989C23A7BB1}" type="datetimeFigureOut">
               <a:rPr lang="en-US" smtClean="0"/>
-              <a:t>10/23/2021</a:t>
+              <a:t>10/27/2021</a:t>
             </a:fld>
             <a:endParaRPr lang="en-US" dirty="0"/>
           </a:p>
@@ -6042,7 +6134,7 @@
           <a:p>
             <a:fld id="{DECF21A4-E71B-4D3A-AF45-E989C23A7BB1}" type="datetimeFigureOut">
               <a:rPr lang="en-US" smtClean="0"/>
-              <a:t>10/23/2021</a:t>
+              <a:t>10/27/2021</a:t>
             </a:fld>
             <a:endParaRPr lang="en-US" dirty="0"/>
           </a:p>
@@ -6353,7 +6445,7 @@
           <a:p>
             <a:fld id="{DECF21A4-E71B-4D3A-AF45-E989C23A7BB1}" type="datetimeFigureOut">
               <a:rPr lang="en-US" smtClean="0"/>
-              <a:t>10/23/2021</a:t>
+              <a:t>10/27/2021</a:t>
             </a:fld>
             <a:endParaRPr lang="en-US" dirty="0"/>
           </a:p>
@@ -6645,7 +6737,7 @@
           <a:p>
             <a:fld id="{DECF21A4-E71B-4D3A-AF45-E989C23A7BB1}" type="datetimeFigureOut">
               <a:rPr lang="en-US" smtClean="0"/>
-              <a:t>10/23/2021</a:t>
+              <a:t>10/27/2021</a:t>
             </a:fld>
             <a:endParaRPr lang="en-US" dirty="0"/>
           </a:p>
@@ -6886,7 +6978,7 @@
           <a:p>
             <a:fld id="{DECF21A4-E71B-4D3A-AF45-E989C23A7BB1}" type="datetimeFigureOut">
               <a:rPr lang="en-US" smtClean="0"/>
-              <a:t>10/23/2021</a:t>
+              <a:t>10/27/2021</a:t>
             </a:fld>
             <a:endParaRPr lang="en-US" dirty="0"/>
           </a:p>
@@ -20891,6 +20983,89 @@
     <p:extLst>
       <p:ext uri="{BB962C8B-B14F-4D97-AF65-F5344CB8AC3E}">
         <p14:creationId xmlns:p14="http://schemas.microsoft.com/office/powerpoint/2010/main" val="3380762608"/>
+      </p:ext>
+    </p:extLst>
+  </p:cSld>
+  <p:clrMapOvr>
+    <a:masterClrMapping/>
+  </p:clrMapOvr>
+</p:sld>
+</file>
+
+<file path=ppt/slides/slide30.xml><?xml version="1.0" encoding="utf-8"?>
+<p:sld xmlns:a="http://schemas.openxmlformats.org/drawingml/2006/main" xmlns:r="http://schemas.openxmlformats.org/officeDocument/2006/relationships" xmlns:p="http://schemas.openxmlformats.org/presentationml/2006/main">
+  <p:cSld>
+    <p:spTree>
+      <p:nvGrpSpPr>
+        <p:cNvPr id="1" name=""/>
+        <p:cNvGrpSpPr/>
+        <p:nvPr/>
+      </p:nvGrpSpPr>
+      <p:grpSpPr>
+        <a:xfrm>
+          <a:off x="0" y="0"/>
+          <a:ext cx="0" cy="0"/>
+          <a:chOff x="0" y="0"/>
+          <a:chExt cx="0" cy="0"/>
+        </a:xfrm>
+      </p:grpSpPr>
+      <p:sp>
+        <p:nvSpPr>
+          <p:cNvPr id="2" name="Title 1">
+            <a:extLst>
+              <a:ext uri="{FF2B5EF4-FFF2-40B4-BE49-F238E27FC236}">
+                <a16:creationId xmlns:a16="http://schemas.microsoft.com/office/drawing/2014/main" id="{025D2098-46F3-47A0-8900-9A54667CB250}"/>
+              </a:ext>
+            </a:extLst>
+          </p:cNvPr>
+          <p:cNvSpPr>
+            <a:spLocks noGrp="1"/>
+          </p:cNvSpPr>
+          <p:nvPr>
+            <p:ph type="title"/>
+          </p:nvPr>
+        </p:nvSpPr>
+        <p:spPr/>
+        <p:txBody>
+          <a:bodyPr/>
+          <a:lstStyle/>
+          <a:p>
+            <a:r>
+              <a:rPr lang="en-US" dirty="0"/>
+              <a:t>Report </a:t>
+            </a:r>
+          </a:p>
+        </p:txBody>
+      </p:sp>
+      <p:sp>
+        <p:nvSpPr>
+          <p:cNvPr id="3" name="Content Placeholder 2">
+            <a:extLst>
+              <a:ext uri="{FF2B5EF4-FFF2-40B4-BE49-F238E27FC236}">
+                <a16:creationId xmlns:a16="http://schemas.microsoft.com/office/drawing/2014/main" id="{22E89456-EB0C-46AE-B7C9-00C7A677131C}"/>
+              </a:ext>
+            </a:extLst>
+          </p:cNvPr>
+          <p:cNvSpPr>
+            <a:spLocks noGrp="1"/>
+          </p:cNvSpPr>
+          <p:nvPr>
+            <p:ph idx="1"/>
+          </p:nvPr>
+        </p:nvSpPr>
+        <p:spPr/>
+        <p:txBody>
+          <a:bodyPr/>
+          <a:lstStyle/>
+          <a:p>
+            <a:endParaRPr lang="en-US"/>
+          </a:p>
+        </p:txBody>
+      </p:sp>
+    </p:spTree>
+    <p:extLst>
+      <p:ext uri="{BB962C8B-B14F-4D97-AF65-F5344CB8AC3E}">
+        <p14:creationId xmlns:p14="http://schemas.microsoft.com/office/powerpoint/2010/main" val="1578944159"/>
       </p:ext>
     </p:extLst>
   </p:cSld>
@@ -25942,6 +26117,15 @@
 </file>
 
 <file path=customXml/item1.xml><?xml version="1.0" encoding="utf-8"?>
+<?mso-contentType ?>
+<FormTemplates xmlns="http://schemas.microsoft.com/sharepoint/v3/contenttype/forms">
+  <Display>DocumentLibraryForm</Display>
+  <Edit>DocumentLibraryForm</Edit>
+  <New>DocumentLibraryForm</New>
+</FormTemplates>
+</file>
+
+<file path=customXml/item2.xml><?xml version="1.0" encoding="utf-8"?>
 <ct:contentTypeSchema xmlns:ct="http://schemas.microsoft.com/office/2006/metadata/contentType" xmlns:ma="http://schemas.microsoft.com/office/2006/metadata/properties/metaAttributes" ct:_="" ma:_="" ma:contentTypeName="Document" ma:contentTypeID="0x01010079F111ED35F8CC479449609E8A0923A6" ma:contentTypeVersion="11" ma:contentTypeDescription="Create a new document." ma:contentTypeScope="" ma:versionID="96291512c1ee715ab617f4c07df79fc1">
   <xsd:schema xmlns:xsd="http://www.w3.org/2001/XMLSchema" xmlns:xs="http://www.w3.org/2001/XMLSchema" xmlns:p="http://schemas.microsoft.com/office/2006/metadata/properties" xmlns:ns2="71af3243-3dd4-4a8d-8c0d-dd76da1f02a5" xmlns:ns3="16c05727-aa75-4e4a-9b5f-8a80a1165891" targetNamespace="http://schemas.microsoft.com/office/2006/metadata/properties" ma:root="true" ma:fieldsID="8256c27c40ca5c40ce1cf6c44f0205df" ns2:_="" ns3:_="">
     <xsd:import namespace="71af3243-3dd4-4a8d-8c0d-dd76da1f02a5"/>
@@ -26152,15 +26336,6 @@
 </ct:contentTypeSchema>
 </file>
 
-<file path=customXml/item2.xml><?xml version="1.0" encoding="utf-8"?>
-<?mso-contentType ?>
-<FormTemplates xmlns="http://schemas.microsoft.com/sharepoint/v3/contenttype/forms">
-  <Display>DocumentLibraryForm</Display>
-  <Edit>DocumentLibraryForm</Edit>
-  <New>DocumentLibraryForm</New>
-</FormTemplates>
-</file>
-
 <file path=customXml/item3.xml><?xml version="1.0" encoding="utf-8"?>
 <p:properties xmlns:p="http://schemas.microsoft.com/office/2006/metadata/properties" xmlns:xsi="http://www.w3.org/2001/XMLSchema-instance" xmlns:pc="http://schemas.microsoft.com/office/infopath/2007/PartnerControls">
   <documentManagement>
@@ -26170,6 +26345,14 @@
 </file>
 
 <file path=customXml/itemProps1.xml><?xml version="1.0" encoding="utf-8"?>
+<ds:datastoreItem xmlns:ds="http://schemas.openxmlformats.org/officeDocument/2006/customXml" ds:itemID="{5CA875DA-F9FD-4F83-A049-3B1027B542DE}">
+  <ds:schemaRefs>
+    <ds:schemaRef ds:uri="http://schemas.microsoft.com/sharepoint/v3/contenttype/forms"/>
+  </ds:schemaRefs>
+</ds:datastoreItem>
+</file>
+
+<file path=customXml/itemProps2.xml><?xml version="1.0" encoding="utf-8"?>
 <ds:datastoreItem xmlns:ds="http://schemas.openxmlformats.org/officeDocument/2006/customXml" ds:itemID="{B2AB02E3-5ADF-4BF0-9C1B-35CDF3FE95B0}">
   <ds:schemaRefs>
     <ds:schemaRef ds:uri="http://schemas.microsoft.com/office/2006/metadata/contentType"/>
@@ -26188,14 +26371,6 @@
 </ds:datastoreItem>
 </file>
 
-<file path=customXml/itemProps2.xml><?xml version="1.0" encoding="utf-8"?>
-<ds:datastoreItem xmlns:ds="http://schemas.openxmlformats.org/officeDocument/2006/customXml" ds:itemID="{5CA875DA-F9FD-4F83-A049-3B1027B542DE}">
-  <ds:schemaRefs>
-    <ds:schemaRef ds:uri="http://schemas.microsoft.com/sharepoint/v3/contenttype/forms"/>
-  </ds:schemaRefs>
-</ds:datastoreItem>
-</file>
-
 <file path=customXml/itemProps3.xml><?xml version="1.0" encoding="utf-8"?>
 <ds:datastoreItem xmlns:ds="http://schemas.openxmlformats.org/officeDocument/2006/customXml" ds:itemID="{03C7D9E6-B0D9-433E-BD46-EB60F64F4DA8}">
   <ds:schemaRefs>

--- a/lectures/12/2_Analysis and Interpretation Multiple Variables Simultaneously.pptx
+++ b/lectures/12/2_Analysis and Interpretation Multiple Variables Simultaneously.pptx
@@ -5,10 +5,10 @@
     <p:sldMasterId id="2147483648" r:id="rId4"/>
   </p:sldMasterIdLst>
   <p:notesMasterIdLst>
-    <p:notesMasterId r:id="rId35"/>
+    <p:notesMasterId r:id="rId36"/>
   </p:notesMasterIdLst>
   <p:handoutMasterIdLst>
-    <p:handoutMasterId r:id="rId36"/>
+    <p:handoutMasterId r:id="rId37"/>
   </p:handoutMasterIdLst>
   <p:sldIdLst>
     <p:sldId id="256" r:id="rId5"/>
@@ -38,9 +38,10 @@
     <p:sldId id="287" r:id="rId29"/>
     <p:sldId id="289" r:id="rId30"/>
     <p:sldId id="290" r:id="rId31"/>
-    <p:sldId id="291" r:id="rId32"/>
-    <p:sldId id="292" r:id="rId33"/>
-    <p:sldId id="293" r:id="rId34"/>
+    <p:sldId id="294" r:id="rId32"/>
+    <p:sldId id="291" r:id="rId33"/>
+    <p:sldId id="292" r:id="rId34"/>
+    <p:sldId id="293" r:id="rId35"/>
   </p:sldIdLst>
   <p:sldSz cx="12192000" cy="6858000"/>
   <p:notesSz cx="6858000" cy="9144000"/>
@@ -3269,7 +3270,7 @@
           <a:p>
             <a:fld id="{73B2889B-A0AC-4482-8592-5C96F2309420}" type="datetimeFigureOut">
               <a:rPr lang="en-US" smtClean="0"/>
-              <a:t>10/27/2021</a:t>
+              <a:t>11/7/2021</a:t>
             </a:fld>
             <a:endParaRPr lang="en-US"/>
           </a:p>
@@ -3446,7 +3447,7 @@
           <a:p>
             <a:fld id="{830EB223-FFC0-462A-A3B8-EAA7CE0F8CBD}" type="datetimeFigureOut">
               <a:rPr lang="en-US" smtClean="0"/>
-              <a:t>10/27/2021</a:t>
+              <a:t>11/7/2021</a:t>
             </a:fld>
             <a:endParaRPr lang="en-US" dirty="0"/>
           </a:p>
@@ -4067,7 +4068,7 @@
           <a:p>
             <a:fld id="{BC849E9A-41F7-4779-A581-48A7C374A227}" type="slidenum">
               <a:rPr lang="en-US" smtClean="0"/>
-              <a:t>29</a:t>
+              <a:t>30</a:t>
             </a:fld>
             <a:endParaRPr lang="en-US" dirty="0"/>
           </a:p>
@@ -4158,7 +4159,7 @@
           <a:p>
             <a:fld id="{BC849E9A-41F7-4779-A581-48A7C374A227}" type="slidenum">
               <a:rPr lang="en-US" smtClean="0"/>
-              <a:t>30</a:t>
+              <a:t>31</a:t>
             </a:fld>
             <a:endParaRPr lang="en-US" dirty="0"/>
           </a:p>
@@ -4324,7 +4325,7 @@
           <a:p>
             <a:fld id="{DECF21A4-E71B-4D3A-AF45-E989C23A7BB1}" type="datetimeFigureOut">
               <a:rPr lang="en-US" smtClean="0"/>
-              <a:t>10/27/2021</a:t>
+              <a:t>11/7/2021</a:t>
             </a:fld>
             <a:endParaRPr lang="en-US" dirty="0"/>
           </a:p>
@@ -4522,7 +4523,7 @@
           <a:p>
             <a:fld id="{DECF21A4-E71B-4D3A-AF45-E989C23A7BB1}" type="datetimeFigureOut">
               <a:rPr lang="en-US" smtClean="0"/>
-              <a:t>10/27/2021</a:t>
+              <a:t>11/7/2021</a:t>
             </a:fld>
             <a:endParaRPr lang="en-US" dirty="0"/>
           </a:p>
@@ -4730,7 +4731,7 @@
           <a:p>
             <a:fld id="{DECF21A4-E71B-4D3A-AF45-E989C23A7BB1}" type="datetimeFigureOut">
               <a:rPr lang="en-US" smtClean="0"/>
-              <a:t>10/27/2021</a:t>
+              <a:t>11/7/2021</a:t>
             </a:fld>
             <a:endParaRPr lang="en-US" dirty="0"/>
           </a:p>
@@ -4928,7 +4929,7 @@
           <a:p>
             <a:fld id="{DECF21A4-E71B-4D3A-AF45-E989C23A7BB1}" type="datetimeFigureOut">
               <a:rPr lang="en-US" smtClean="0"/>
-              <a:t>10/27/2021</a:t>
+              <a:t>11/7/2021</a:t>
             </a:fld>
             <a:endParaRPr lang="en-US" dirty="0"/>
           </a:p>
@@ -5203,7 +5204,7 @@
           <a:p>
             <a:fld id="{DECF21A4-E71B-4D3A-AF45-E989C23A7BB1}" type="datetimeFigureOut">
               <a:rPr lang="en-US" smtClean="0"/>
-              <a:t>10/27/2021</a:t>
+              <a:t>11/7/2021</a:t>
             </a:fld>
             <a:endParaRPr lang="en-US" dirty="0"/>
           </a:p>
@@ -5468,7 +5469,7 @@
           <a:p>
             <a:fld id="{DECF21A4-E71B-4D3A-AF45-E989C23A7BB1}" type="datetimeFigureOut">
               <a:rPr lang="en-US" smtClean="0"/>
-              <a:t>10/27/2021</a:t>
+              <a:t>11/7/2021</a:t>
             </a:fld>
             <a:endParaRPr lang="en-US" dirty="0"/>
           </a:p>
@@ -5880,7 +5881,7 @@
           <a:p>
             <a:fld id="{DECF21A4-E71B-4D3A-AF45-E989C23A7BB1}" type="datetimeFigureOut">
               <a:rPr lang="en-US" smtClean="0"/>
-              <a:t>10/27/2021</a:t>
+              <a:t>11/7/2021</a:t>
             </a:fld>
             <a:endParaRPr lang="en-US" dirty="0"/>
           </a:p>
@@ -6021,7 +6022,7 @@
           <a:p>
             <a:fld id="{DECF21A4-E71B-4D3A-AF45-E989C23A7BB1}" type="datetimeFigureOut">
               <a:rPr lang="en-US" smtClean="0"/>
-              <a:t>10/27/2021</a:t>
+              <a:t>11/7/2021</a:t>
             </a:fld>
             <a:endParaRPr lang="en-US" dirty="0"/>
           </a:p>
@@ -6134,7 +6135,7 @@
           <a:p>
             <a:fld id="{DECF21A4-E71B-4D3A-AF45-E989C23A7BB1}" type="datetimeFigureOut">
               <a:rPr lang="en-US" smtClean="0"/>
-              <a:t>10/27/2021</a:t>
+              <a:t>11/7/2021</a:t>
             </a:fld>
             <a:endParaRPr lang="en-US" dirty="0"/>
           </a:p>
@@ -6445,7 +6446,7 @@
           <a:p>
             <a:fld id="{DECF21A4-E71B-4D3A-AF45-E989C23A7BB1}" type="datetimeFigureOut">
               <a:rPr lang="en-US" smtClean="0"/>
-              <a:t>10/27/2021</a:t>
+              <a:t>11/7/2021</a:t>
             </a:fld>
             <a:endParaRPr lang="en-US" dirty="0"/>
           </a:p>
@@ -6737,7 +6738,7 @@
           <a:p>
             <a:fld id="{DECF21A4-E71B-4D3A-AF45-E989C23A7BB1}" type="datetimeFigureOut">
               <a:rPr lang="en-US" smtClean="0"/>
-              <a:t>10/27/2021</a:t>
+              <a:t>11/7/2021</a:t>
             </a:fld>
             <a:endParaRPr lang="en-US" dirty="0"/>
           </a:p>
@@ -6978,7 +6979,7 @@
           <a:p>
             <a:fld id="{DECF21A4-E71B-4D3A-AF45-E989C23A7BB1}" type="datetimeFigureOut">
               <a:rPr lang="en-US" smtClean="0"/>
-              <a:t>10/27/2021</a:t>
+              <a:t>11/7/2021</a:t>
             </a:fld>
             <a:endParaRPr lang="en-US" dirty="0"/>
           </a:p>
@@ -20307,7 +20308,7 @@
           <p:cNvPr id="2" name="Title 1">
             <a:extLst>
               <a:ext uri="{FF2B5EF4-FFF2-40B4-BE49-F238E27FC236}">
-                <a16:creationId xmlns:a16="http://schemas.microsoft.com/office/drawing/2014/main" id="{547D1371-AF09-4B5D-8375-7EF63E8DED53}"/>
+                <a16:creationId xmlns:a16="http://schemas.microsoft.com/office/drawing/2014/main" id="{6D6F6C60-68EE-4BF4-AB7C-E20E8D22382D}"/>
               </a:ext>
             </a:extLst>
           </p:cNvPr>
@@ -20323,10 +20324,7 @@
           <a:bodyPr/>
           <a:lstStyle/>
           <a:p>
-            <a:r>
-              <a:rPr lang="en-US" dirty="0"/>
-              <a:t>Project Presentation</a:t>
-            </a:r>
+            <a:endParaRPr lang="en-US"/>
           </a:p>
         </p:txBody>
       </p:sp>
@@ -20335,7 +20333,7 @@
           <p:cNvPr id="3" name="Content Placeholder 2">
             <a:extLst>
               <a:ext uri="{FF2B5EF4-FFF2-40B4-BE49-F238E27FC236}">
-                <a16:creationId xmlns:a16="http://schemas.microsoft.com/office/drawing/2014/main" id="{36F0ACDB-5B81-4E4A-97BC-FF36E0ED7F3B}"/>
+                <a16:creationId xmlns:a16="http://schemas.microsoft.com/office/drawing/2014/main" id="{44ABE989-32FE-4FC6-AC04-17E0FF4D69DA}"/>
               </a:ext>
             </a:extLst>
           </p:cNvPr>
@@ -20348,47 +20346,43 @@
         </p:nvSpPr>
         <p:spPr/>
         <p:txBody>
-          <a:bodyPr/>
+          <a:bodyPr>
+            <a:normAutofit fontScale="92500" lnSpcReduction="10000"/>
+          </a:bodyPr>
           <a:lstStyle/>
           <a:p>
             <a:r>
               <a:rPr lang="en-US" dirty="0"/>
-              <a:t>Each team will have 20 mins </a:t>
+              <a:t>These class sessions have given you an introduction to regression analysis and shown you a few of the ways it can be used by companies.</a:t>
             </a:r>
           </a:p>
           <a:p>
-            <a:pPr lvl="1"/>
+            <a:endParaRPr lang="en-US" dirty="0"/>
+          </a:p>
+          <a:p>
             <a:r>
               <a:rPr lang="en-US" dirty="0"/>
-              <a:t>15 mins to present the project </a:t>
+              <a:t>Actually conducting regression analysis requires additional training to avoid making analysis and interpretation errors.</a:t>
             </a:r>
           </a:p>
           <a:p>
-            <a:pPr lvl="1"/>
+            <a:endParaRPr lang="en-US" dirty="0"/>
+          </a:p>
+          <a:p>
             <a:r>
               <a:rPr lang="en-US" dirty="0"/>
-              <a:t>5 mins for discussion and questions</a:t>
+              <a:t>Students who enjoyed the material on correlation and regression should consider getting a marketing analytics certificate.  In that coursework, you’ll learn the technical details of running regression analysis plus many other ways data can be analyzed to help companies make marketing decisions.</a:t>
             </a:r>
           </a:p>
           <a:p>
-            <a:r>
-              <a:rPr lang="en-US" dirty="0"/>
-              <a:t>Sign-up Sheet</a:t>
-            </a:r>
-          </a:p>
-          <a:p>
-            <a:pPr lvl="1"/>
-            <a:r>
-              <a:rPr lang="en-US" dirty="0"/>
-              <a:t>2 class sessions</a:t>
-            </a:r>
+            <a:endParaRPr lang="en-US" dirty="0"/>
           </a:p>
         </p:txBody>
       </p:sp>
     </p:spTree>
     <p:extLst>
       <p:ext uri="{BB962C8B-B14F-4D97-AF65-F5344CB8AC3E}">
-        <p14:creationId xmlns:p14="http://schemas.microsoft.com/office/powerpoint/2010/main" val="3338512340"/>
+        <p14:creationId xmlns:p14="http://schemas.microsoft.com/office/powerpoint/2010/main" val="1416548965"/>
       </p:ext>
     </p:extLst>
   </p:cSld>
@@ -20420,7 +20414,7 @@
           <p:cNvPr id="2" name="Title 1">
             <a:extLst>
               <a:ext uri="{FF2B5EF4-FFF2-40B4-BE49-F238E27FC236}">
-                <a16:creationId xmlns:a16="http://schemas.microsoft.com/office/drawing/2014/main" id="{A8BBED90-A8D7-400A-B691-6A9E102A03AB}"/>
+                <a16:creationId xmlns:a16="http://schemas.microsoft.com/office/drawing/2014/main" id="{547D1371-AF09-4B5D-8375-7EF63E8DED53}"/>
               </a:ext>
             </a:extLst>
           </p:cNvPr>
@@ -20438,7 +20432,7 @@
           <a:p>
             <a:r>
               <a:rPr lang="en-US" dirty="0"/>
-              <a:t>Presentation Critique</a:t>
+              <a:t>Project Presentation</a:t>
             </a:r>
           </a:p>
         </p:txBody>
@@ -20448,7 +20442,7 @@
           <p:cNvPr id="3" name="Content Placeholder 2">
             <a:extLst>
               <a:ext uri="{FF2B5EF4-FFF2-40B4-BE49-F238E27FC236}">
-                <a16:creationId xmlns:a16="http://schemas.microsoft.com/office/drawing/2014/main" id="{3EE857C0-FD39-4458-88EF-5911ADE34867}"/>
+                <a16:creationId xmlns:a16="http://schemas.microsoft.com/office/drawing/2014/main" id="{36F0ACDB-5B81-4E4A-97BC-FF36E0ED7F3B}"/>
               </a:ext>
             </a:extLst>
           </p:cNvPr>
@@ -20464,14 +20458,44 @@
           <a:bodyPr/>
           <a:lstStyle/>
           <a:p>
-            <a:endParaRPr lang="en-US"/>
+            <a:r>
+              <a:rPr lang="en-US" dirty="0"/>
+              <a:t>Each team will have 20 mins </a:t>
+            </a:r>
+          </a:p>
+          <a:p>
+            <a:pPr lvl="1"/>
+            <a:r>
+              <a:rPr lang="en-US" dirty="0"/>
+              <a:t>15 mins to present the project </a:t>
+            </a:r>
+          </a:p>
+          <a:p>
+            <a:pPr lvl="1"/>
+            <a:r>
+              <a:rPr lang="en-US" dirty="0"/>
+              <a:t>5 mins for discussion and questions</a:t>
+            </a:r>
+          </a:p>
+          <a:p>
+            <a:r>
+              <a:rPr lang="en-US" dirty="0"/>
+              <a:t>Sign-up Sheet</a:t>
+            </a:r>
+          </a:p>
+          <a:p>
+            <a:pPr lvl="1"/>
+            <a:r>
+              <a:rPr lang="en-US" dirty="0"/>
+              <a:t>2 class sessions</a:t>
+            </a:r>
           </a:p>
         </p:txBody>
       </p:sp>
     </p:spTree>
     <p:extLst>
       <p:ext uri="{BB962C8B-B14F-4D97-AF65-F5344CB8AC3E}">
-        <p14:creationId xmlns:p14="http://schemas.microsoft.com/office/powerpoint/2010/main" val="2554212932"/>
+        <p14:creationId xmlns:p14="http://schemas.microsoft.com/office/powerpoint/2010/main" val="3338512340"/>
       </p:ext>
     </p:extLst>
   </p:cSld>
@@ -20993,6 +21017,89 @@
 </file>
 
 <file path=ppt/slides/slide30.xml><?xml version="1.0" encoding="utf-8"?>
+<p:sld xmlns:a="http://schemas.openxmlformats.org/drawingml/2006/main" xmlns:r="http://schemas.openxmlformats.org/officeDocument/2006/relationships" xmlns:p="http://schemas.openxmlformats.org/presentationml/2006/main">
+  <p:cSld>
+    <p:spTree>
+      <p:nvGrpSpPr>
+        <p:cNvPr id="1" name=""/>
+        <p:cNvGrpSpPr/>
+        <p:nvPr/>
+      </p:nvGrpSpPr>
+      <p:grpSpPr>
+        <a:xfrm>
+          <a:off x="0" y="0"/>
+          <a:ext cx="0" cy="0"/>
+          <a:chOff x="0" y="0"/>
+          <a:chExt cx="0" cy="0"/>
+        </a:xfrm>
+      </p:grpSpPr>
+      <p:sp>
+        <p:nvSpPr>
+          <p:cNvPr id="2" name="Title 1">
+            <a:extLst>
+              <a:ext uri="{FF2B5EF4-FFF2-40B4-BE49-F238E27FC236}">
+                <a16:creationId xmlns:a16="http://schemas.microsoft.com/office/drawing/2014/main" id="{A8BBED90-A8D7-400A-B691-6A9E102A03AB}"/>
+              </a:ext>
+            </a:extLst>
+          </p:cNvPr>
+          <p:cNvSpPr>
+            <a:spLocks noGrp="1"/>
+          </p:cNvSpPr>
+          <p:nvPr>
+            <p:ph type="title"/>
+          </p:nvPr>
+        </p:nvSpPr>
+        <p:spPr/>
+        <p:txBody>
+          <a:bodyPr/>
+          <a:lstStyle/>
+          <a:p>
+            <a:r>
+              <a:rPr lang="en-US" dirty="0"/>
+              <a:t>Presentation Critique</a:t>
+            </a:r>
+          </a:p>
+        </p:txBody>
+      </p:sp>
+      <p:sp>
+        <p:nvSpPr>
+          <p:cNvPr id="3" name="Content Placeholder 2">
+            <a:extLst>
+              <a:ext uri="{FF2B5EF4-FFF2-40B4-BE49-F238E27FC236}">
+                <a16:creationId xmlns:a16="http://schemas.microsoft.com/office/drawing/2014/main" id="{3EE857C0-FD39-4458-88EF-5911ADE34867}"/>
+              </a:ext>
+            </a:extLst>
+          </p:cNvPr>
+          <p:cNvSpPr>
+            <a:spLocks noGrp="1"/>
+          </p:cNvSpPr>
+          <p:nvPr>
+            <p:ph idx="1"/>
+          </p:nvPr>
+        </p:nvSpPr>
+        <p:spPr/>
+        <p:txBody>
+          <a:bodyPr/>
+          <a:lstStyle/>
+          <a:p>
+            <a:endParaRPr lang="en-US"/>
+          </a:p>
+        </p:txBody>
+      </p:sp>
+    </p:spTree>
+    <p:extLst>
+      <p:ext uri="{BB962C8B-B14F-4D97-AF65-F5344CB8AC3E}">
+        <p14:creationId xmlns:p14="http://schemas.microsoft.com/office/powerpoint/2010/main" val="2554212932"/>
+      </p:ext>
+    </p:extLst>
+  </p:cSld>
+  <p:clrMapOvr>
+    <a:masterClrMapping/>
+  </p:clrMapOvr>
+</p:sld>
+</file>
+
+<file path=ppt/slides/slide31.xml><?xml version="1.0" encoding="utf-8"?>
 <p:sld xmlns:a="http://schemas.openxmlformats.org/drawingml/2006/main" xmlns:r="http://schemas.openxmlformats.org/officeDocument/2006/relationships" xmlns:p="http://schemas.openxmlformats.org/presentationml/2006/main">
   <p:cSld>
     <p:spTree>
@@ -26117,15 +26224,6 @@
 </file>
 
 <file path=customXml/item1.xml><?xml version="1.0" encoding="utf-8"?>
-<?mso-contentType ?>
-<FormTemplates xmlns="http://schemas.microsoft.com/sharepoint/v3/contenttype/forms">
-  <Display>DocumentLibraryForm</Display>
-  <Edit>DocumentLibraryForm</Edit>
-  <New>DocumentLibraryForm</New>
-</FormTemplates>
-</file>
-
-<file path=customXml/item2.xml><?xml version="1.0" encoding="utf-8"?>
 <ct:contentTypeSchema xmlns:ct="http://schemas.microsoft.com/office/2006/metadata/contentType" xmlns:ma="http://schemas.microsoft.com/office/2006/metadata/properties/metaAttributes" ct:_="" ma:_="" ma:contentTypeName="Document" ma:contentTypeID="0x01010079F111ED35F8CC479449609E8A0923A6" ma:contentTypeVersion="11" ma:contentTypeDescription="Create a new document." ma:contentTypeScope="" ma:versionID="96291512c1ee715ab617f4c07df79fc1">
   <xsd:schema xmlns:xsd="http://www.w3.org/2001/XMLSchema" xmlns:xs="http://www.w3.org/2001/XMLSchema" xmlns:p="http://schemas.microsoft.com/office/2006/metadata/properties" xmlns:ns2="71af3243-3dd4-4a8d-8c0d-dd76da1f02a5" xmlns:ns3="16c05727-aa75-4e4a-9b5f-8a80a1165891" targetNamespace="http://schemas.microsoft.com/office/2006/metadata/properties" ma:root="true" ma:fieldsID="8256c27c40ca5c40ce1cf6c44f0205df" ns2:_="" ns3:_="">
     <xsd:import namespace="71af3243-3dd4-4a8d-8c0d-dd76da1f02a5"/>
@@ -26336,6 +26434,15 @@
 </ct:contentTypeSchema>
 </file>
 
+<file path=customXml/item2.xml><?xml version="1.0" encoding="utf-8"?>
+<?mso-contentType ?>
+<FormTemplates xmlns="http://schemas.microsoft.com/sharepoint/v3/contenttype/forms">
+  <Display>DocumentLibraryForm</Display>
+  <Edit>DocumentLibraryForm</Edit>
+  <New>DocumentLibraryForm</New>
+</FormTemplates>
+</file>
+
 <file path=customXml/item3.xml><?xml version="1.0" encoding="utf-8"?>
 <p:properties xmlns:p="http://schemas.microsoft.com/office/2006/metadata/properties" xmlns:xsi="http://www.w3.org/2001/XMLSchema-instance" xmlns:pc="http://schemas.microsoft.com/office/infopath/2007/PartnerControls">
   <documentManagement>
@@ -26345,14 +26452,6 @@
 </file>
 
 <file path=customXml/itemProps1.xml><?xml version="1.0" encoding="utf-8"?>
-<ds:datastoreItem xmlns:ds="http://schemas.openxmlformats.org/officeDocument/2006/customXml" ds:itemID="{5CA875DA-F9FD-4F83-A049-3B1027B542DE}">
-  <ds:schemaRefs>
-    <ds:schemaRef ds:uri="http://schemas.microsoft.com/sharepoint/v3/contenttype/forms"/>
-  </ds:schemaRefs>
-</ds:datastoreItem>
-</file>
-
-<file path=customXml/itemProps2.xml><?xml version="1.0" encoding="utf-8"?>
 <ds:datastoreItem xmlns:ds="http://schemas.openxmlformats.org/officeDocument/2006/customXml" ds:itemID="{B2AB02E3-5ADF-4BF0-9C1B-35CDF3FE95B0}">
   <ds:schemaRefs>
     <ds:schemaRef ds:uri="http://schemas.microsoft.com/office/2006/metadata/contentType"/>
@@ -26371,6 +26470,14 @@
 </ds:datastoreItem>
 </file>
 
+<file path=customXml/itemProps2.xml><?xml version="1.0" encoding="utf-8"?>
+<ds:datastoreItem xmlns:ds="http://schemas.openxmlformats.org/officeDocument/2006/customXml" ds:itemID="{5CA875DA-F9FD-4F83-A049-3B1027B542DE}">
+  <ds:schemaRefs>
+    <ds:schemaRef ds:uri="http://schemas.microsoft.com/sharepoint/v3/contenttype/forms"/>
+  </ds:schemaRefs>
+</ds:datastoreItem>
+</file>
+
 <file path=customXml/itemProps3.xml><?xml version="1.0" encoding="utf-8"?>
 <ds:datastoreItem xmlns:ds="http://schemas.openxmlformats.org/officeDocument/2006/customXml" ds:itemID="{03C7D9E6-B0D9-433E-BD46-EB60F64F4DA8}">
   <ds:schemaRefs>

--- a/lectures/12/2_Analysis and Interpretation Multiple Variables Simultaneously.pptx
+++ b/lectures/12/2_Analysis and Interpretation Multiple Variables Simultaneously.pptx
@@ -5,10 +5,10 @@
     <p:sldMasterId id="2147483648" r:id="rId4"/>
   </p:sldMasterIdLst>
   <p:notesMasterIdLst>
-    <p:notesMasterId r:id="rId42"/>
+    <p:notesMasterId r:id="rId44"/>
   </p:notesMasterIdLst>
   <p:handoutMasterIdLst>
-    <p:handoutMasterId r:id="rId43"/>
+    <p:handoutMasterId r:id="rId45"/>
   </p:handoutMasterIdLst>
   <p:sldIdLst>
     <p:sldId id="296" r:id="rId5"/>
@@ -48,6 +48,8 @@
     <p:sldId id="262" r:id="rId39"/>
     <p:sldId id="292" r:id="rId40"/>
     <p:sldId id="293" r:id="rId41"/>
+    <p:sldId id="303" r:id="rId42"/>
+    <p:sldId id="302" r:id="rId43"/>
   </p:sldIdLst>
   <p:sldSz cx="12192000" cy="6858000"/>
   <p:notesSz cx="6858000" cy="9144000"/>
@@ -4526,6 +4528,15 @@
           <a:p>
             <a:r>
               <a:rPr lang="en-US" dirty="0"/>
+              <a:t>Please remember that for the first 3 groups, I will be more lenient because they go first. </a:t>
+            </a:r>
+          </a:p>
+          <a:p>
+            <a:endParaRPr lang="en-US" dirty="0"/>
+          </a:p>
+          <a:p>
+            <a:r>
+              <a:rPr lang="en-US" dirty="0"/>
               <a:t>You don’t need suit and tie, but since this is a business presentation, hence professional dress is expected. </a:t>
             </a:r>
           </a:p>
@@ -25479,6 +25490,193 @@
     <p:extLst>
       <p:ext uri="{BB962C8B-B14F-4D97-AF65-F5344CB8AC3E}">
         <p14:creationId xmlns:p14="http://schemas.microsoft.com/office/powerpoint/2010/main" val="1578944159"/>
+      </p:ext>
+    </p:extLst>
+  </p:cSld>
+  <p:clrMapOvr>
+    <a:masterClrMapping/>
+  </p:clrMapOvr>
+</p:sld>
+</file>
+
+<file path=ppt/slides/slide38.xml><?xml version="1.0" encoding="utf-8"?>
+<p:sld xmlns:a="http://schemas.openxmlformats.org/drawingml/2006/main" xmlns:r="http://schemas.openxmlformats.org/officeDocument/2006/relationships" xmlns:p="http://schemas.openxmlformats.org/presentationml/2006/main">
+  <p:cSld>
+    <p:spTree>
+      <p:nvGrpSpPr>
+        <p:cNvPr id="1" name=""/>
+        <p:cNvGrpSpPr/>
+        <p:nvPr/>
+      </p:nvGrpSpPr>
+      <p:grpSpPr>
+        <a:xfrm>
+          <a:off x="0" y="0"/>
+          <a:ext cx="0" cy="0"/>
+          <a:chOff x="0" y="0"/>
+          <a:chExt cx="0" cy="0"/>
+        </a:xfrm>
+      </p:grpSpPr>
+      <p:sp>
+        <p:nvSpPr>
+          <p:cNvPr id="2" name="Title 1">
+            <a:extLst>
+              <a:ext uri="{FF2B5EF4-FFF2-40B4-BE49-F238E27FC236}">
+                <a16:creationId xmlns:a16="http://schemas.microsoft.com/office/drawing/2014/main" id="{0AD9A3C8-B27E-4D6A-95E5-D93B99C2C943}"/>
+              </a:ext>
+            </a:extLst>
+          </p:cNvPr>
+          <p:cNvSpPr>
+            <a:spLocks noGrp="1"/>
+          </p:cNvSpPr>
+          <p:nvPr>
+            <p:ph type="title"/>
+          </p:nvPr>
+        </p:nvSpPr>
+        <p:spPr/>
+        <p:txBody>
+          <a:bodyPr/>
+          <a:lstStyle/>
+          <a:p>
+            <a:r>
+              <a:rPr lang="en-US" dirty="0"/>
+              <a:t>10-min Group Discussion</a:t>
+            </a:r>
+          </a:p>
+        </p:txBody>
+      </p:sp>
+      <p:sp>
+        <p:nvSpPr>
+          <p:cNvPr id="3" name="Content Placeholder 2">
+            <a:extLst>
+              <a:ext uri="{FF2B5EF4-FFF2-40B4-BE49-F238E27FC236}">
+                <a16:creationId xmlns:a16="http://schemas.microsoft.com/office/drawing/2014/main" id="{A41ADBCA-4846-48E2-BE2C-1925FE41D285}"/>
+              </a:ext>
+            </a:extLst>
+          </p:cNvPr>
+          <p:cNvSpPr>
+            <a:spLocks noGrp="1"/>
+          </p:cNvSpPr>
+          <p:nvPr>
+            <p:ph idx="1"/>
+          </p:nvPr>
+        </p:nvSpPr>
+        <p:spPr/>
+        <p:txBody>
+          <a:bodyPr/>
+          <a:lstStyle/>
+          <a:p>
+            <a:r>
+              <a:rPr lang="en-US" dirty="0"/>
+              <a:t>Initial Data Analysis</a:t>
+            </a:r>
+          </a:p>
+          <a:p>
+            <a:r>
+              <a:rPr lang="en-US" dirty="0"/>
+              <a:t>Presentation Guidelines</a:t>
+            </a:r>
+          </a:p>
+          <a:p>
+            <a:r>
+              <a:rPr lang="en-US" dirty="0"/>
+              <a:t>Presentation Critique </a:t>
+            </a:r>
+          </a:p>
+          <a:p>
+            <a:r>
+              <a:rPr lang="en-US" dirty="0"/>
+              <a:t>Report</a:t>
+            </a:r>
+          </a:p>
+        </p:txBody>
+      </p:sp>
+    </p:spTree>
+    <p:extLst>
+      <p:ext uri="{BB962C8B-B14F-4D97-AF65-F5344CB8AC3E}">
+        <p14:creationId xmlns:p14="http://schemas.microsoft.com/office/powerpoint/2010/main" val="273324605"/>
+      </p:ext>
+    </p:extLst>
+  </p:cSld>
+  <p:clrMapOvr>
+    <a:masterClrMapping/>
+  </p:clrMapOvr>
+</p:sld>
+</file>
+
+<file path=ppt/slides/slide39.xml><?xml version="1.0" encoding="utf-8"?>
+<p:sld xmlns:a="http://schemas.openxmlformats.org/drawingml/2006/main" xmlns:r="http://schemas.openxmlformats.org/officeDocument/2006/relationships" xmlns:p="http://schemas.openxmlformats.org/presentationml/2006/main">
+  <p:cSld>
+    <p:spTree>
+      <p:nvGrpSpPr>
+        <p:cNvPr id="1" name=""/>
+        <p:cNvGrpSpPr/>
+        <p:nvPr/>
+      </p:nvGrpSpPr>
+      <p:grpSpPr>
+        <a:xfrm>
+          <a:off x="0" y="0"/>
+          <a:ext cx="0" cy="0"/>
+          <a:chOff x="0" y="0"/>
+          <a:chExt cx="0" cy="0"/>
+        </a:xfrm>
+      </p:grpSpPr>
+      <p:sp>
+        <p:nvSpPr>
+          <p:cNvPr id="2" name="Title 1">
+            <a:extLst>
+              <a:ext uri="{FF2B5EF4-FFF2-40B4-BE49-F238E27FC236}">
+                <a16:creationId xmlns:a16="http://schemas.microsoft.com/office/drawing/2014/main" id="{30305772-637E-4B5A-9A93-097EB6D4D5CB}"/>
+              </a:ext>
+            </a:extLst>
+          </p:cNvPr>
+          <p:cNvSpPr>
+            <a:spLocks noGrp="1"/>
+          </p:cNvSpPr>
+          <p:nvPr>
+            <p:ph type="title"/>
+          </p:nvPr>
+        </p:nvSpPr>
+        <p:spPr/>
+        <p:txBody>
+          <a:bodyPr/>
+          <a:lstStyle/>
+          <a:p>
+            <a:r>
+              <a:rPr lang="en-US" dirty="0"/>
+              <a:t>5-min snippet </a:t>
+            </a:r>
+          </a:p>
+        </p:txBody>
+      </p:sp>
+      <p:sp>
+        <p:nvSpPr>
+          <p:cNvPr id="3" name="Content Placeholder 2">
+            <a:extLst>
+              <a:ext uri="{FF2B5EF4-FFF2-40B4-BE49-F238E27FC236}">
+                <a16:creationId xmlns:a16="http://schemas.microsoft.com/office/drawing/2014/main" id="{EB1DA83B-EC55-41F6-9B16-D382EDC18A91}"/>
+              </a:ext>
+            </a:extLst>
+          </p:cNvPr>
+          <p:cNvSpPr>
+            <a:spLocks noGrp="1"/>
+          </p:cNvSpPr>
+          <p:nvPr>
+            <p:ph idx="1"/>
+          </p:nvPr>
+        </p:nvSpPr>
+        <p:spPr/>
+        <p:txBody>
+          <a:bodyPr/>
+          <a:lstStyle/>
+          <a:p>
+            <a:endParaRPr lang="en-US"/>
+          </a:p>
+        </p:txBody>
+      </p:sp>
+    </p:spTree>
+    <p:extLst>
+      <p:ext uri="{BB962C8B-B14F-4D97-AF65-F5344CB8AC3E}">
+        <p14:creationId xmlns:p14="http://schemas.microsoft.com/office/powerpoint/2010/main" val="1248140283"/>
       </p:ext>
     </p:extLst>
   </p:cSld>
@@ -30452,14 +30650,6 @@
 </file>
 
 <file path=customXml/item1.xml><?xml version="1.0" encoding="utf-8"?>
-<p:properties xmlns:p="http://schemas.microsoft.com/office/2006/metadata/properties" xmlns:xsi="http://www.w3.org/2001/XMLSchema-instance" xmlns:pc="http://schemas.microsoft.com/office/infopath/2007/PartnerControls">
-  <documentManagement>
-    <MediaServiceKeyPoints xmlns="71af3243-3dd4-4a8d-8c0d-dd76da1f02a5" xsi:nil="true"/>
-  </documentManagement>
-</p:properties>
-</file>
-
-<file path=customXml/item2.xml><?xml version="1.0" encoding="utf-8"?>
 <ct:contentTypeSchema xmlns:ct="http://schemas.microsoft.com/office/2006/metadata/contentType" xmlns:ma="http://schemas.microsoft.com/office/2006/metadata/properties/metaAttributes" ct:_="" ma:_="" ma:contentTypeName="Document" ma:contentTypeID="0x01010079F111ED35F8CC479449609E8A0923A6" ma:contentTypeVersion="11" ma:contentTypeDescription="Create a new document." ma:contentTypeScope="" ma:versionID="96291512c1ee715ab617f4c07df79fc1">
   <xsd:schema xmlns:xsd="http://www.w3.org/2001/XMLSchema" xmlns:xs="http://www.w3.org/2001/XMLSchema" xmlns:p="http://schemas.microsoft.com/office/2006/metadata/properties" xmlns:ns2="71af3243-3dd4-4a8d-8c0d-dd76da1f02a5" xmlns:ns3="16c05727-aa75-4e4a-9b5f-8a80a1165891" targetNamespace="http://schemas.microsoft.com/office/2006/metadata/properties" ma:root="true" ma:fieldsID="8256c27c40ca5c40ce1cf6c44f0205df" ns2:_="" ns3:_="">
     <xsd:import namespace="71af3243-3dd4-4a8d-8c0d-dd76da1f02a5"/>
@@ -30670,6 +30860,14 @@
 </ct:contentTypeSchema>
 </file>
 
+<file path=customXml/item2.xml><?xml version="1.0" encoding="utf-8"?>
+<p:properties xmlns:p="http://schemas.microsoft.com/office/2006/metadata/properties" xmlns:xsi="http://www.w3.org/2001/XMLSchema-instance" xmlns:pc="http://schemas.microsoft.com/office/infopath/2007/PartnerControls">
+  <documentManagement>
+    <MediaServiceKeyPoints xmlns="71af3243-3dd4-4a8d-8c0d-dd76da1f02a5" xsi:nil="true"/>
+  </documentManagement>
+</p:properties>
+</file>
+
 <file path=customXml/item3.xml><?xml version="1.0" encoding="utf-8"?>
 <?mso-contentType ?>
 <FormTemplates xmlns="http://schemas.microsoft.com/sharepoint/v3/contenttype/forms">
@@ -30680,16 +30878,6 @@
 </file>
 
 <file path=customXml/itemProps1.xml><?xml version="1.0" encoding="utf-8"?>
-<ds:datastoreItem xmlns:ds="http://schemas.openxmlformats.org/officeDocument/2006/customXml" ds:itemID="{03C7D9E6-B0D9-433E-BD46-EB60F64F4DA8}">
-  <ds:schemaRefs>
-    <ds:schemaRef ds:uri="http://schemas.microsoft.com/office/2006/metadata/properties"/>
-    <ds:schemaRef ds:uri="http://schemas.microsoft.com/office/infopath/2007/PartnerControls"/>
-    <ds:schemaRef ds:uri="71af3243-3dd4-4a8d-8c0d-dd76da1f02a5"/>
-  </ds:schemaRefs>
-</ds:datastoreItem>
-</file>
-
-<file path=customXml/itemProps2.xml><?xml version="1.0" encoding="utf-8"?>
 <ds:datastoreItem xmlns:ds="http://schemas.openxmlformats.org/officeDocument/2006/customXml" ds:itemID="{B2AB02E3-5ADF-4BF0-9C1B-35CDF3FE95B0}">
   <ds:schemaRefs>
     <ds:schemaRef ds:uri="http://schemas.microsoft.com/office/2006/metadata/contentType"/>
@@ -30708,6 +30896,16 @@
 </ds:datastoreItem>
 </file>
 
+<file path=customXml/itemProps2.xml><?xml version="1.0" encoding="utf-8"?>
+<ds:datastoreItem xmlns:ds="http://schemas.openxmlformats.org/officeDocument/2006/customXml" ds:itemID="{03C7D9E6-B0D9-433E-BD46-EB60F64F4DA8}">
+  <ds:schemaRefs>
+    <ds:schemaRef ds:uri="http://schemas.microsoft.com/office/2006/metadata/properties"/>
+    <ds:schemaRef ds:uri="http://schemas.microsoft.com/office/infopath/2007/PartnerControls"/>
+    <ds:schemaRef ds:uri="71af3243-3dd4-4a8d-8c0d-dd76da1f02a5"/>
+  </ds:schemaRefs>
+</ds:datastoreItem>
+</file>
+
 <file path=customXml/itemProps3.xml><?xml version="1.0" encoding="utf-8"?>
 <ds:datastoreItem xmlns:ds="http://schemas.openxmlformats.org/officeDocument/2006/customXml" ds:itemID="{5CA875DA-F9FD-4F83-A049-3B1027B542DE}">
   <ds:schemaRefs>
